--- a/lab_09-fitbitter/lab_09-fitbitter.pptx
+++ b/lab_09-fitbitter/lab_09-fitbitter.pptx
@@ -217,7 +217,7 @@
           <a:p>
             <a:fld id="{81C4B3FE-0320-8142-8396-5C3025C019EC}" type="datetimeFigureOut">
               <a:rPr lang="en-IT" smtClean="0"/>
-              <a:t>24/02/22</a:t>
+              <a:t>09/05/22</a:t>
             </a:fld>
             <a:endParaRPr lang="en-IT"/>
           </a:p>
@@ -6660,7 +6660,7 @@
           <a:p>
             <a:r>
               <a:rPr lang="en-IT" dirty="0"/>
-              <a:t>Homework </a:t>
+              <a:t>Exercise + Homework </a:t>
             </a:r>
           </a:p>
         </p:txBody>
